--- a/Lectures/Lecture-1.pptx
+++ b/Lectures/Lecture-1.pptx
@@ -5,7 +5,7 @@
     <p:sldMasterId id="2147483648" r:id="rId1"/>
   </p:sldMasterIdLst>
   <p:notesMasterIdLst>
-    <p:notesMasterId r:id="rId60"/>
+    <p:notesMasterId r:id="rId57"/>
   </p:notesMasterIdLst>
   <p:sldIdLst>
     <p:sldId id="256" r:id="rId2"/>
@@ -60,12 +60,9 @@
     <p:sldId id="305" r:id="rId51"/>
     <p:sldId id="302" r:id="rId52"/>
     <p:sldId id="313" r:id="rId53"/>
-    <p:sldId id="314" r:id="rId54"/>
-    <p:sldId id="267" r:id="rId55"/>
+    <p:sldId id="267" r:id="rId54"/>
+    <p:sldId id="268" r:id="rId55"/>
     <p:sldId id="269" r:id="rId56"/>
-    <p:sldId id="306" r:id="rId57"/>
-    <p:sldId id="268" r:id="rId58"/>
-    <p:sldId id="270" r:id="rId59"/>
   </p:sldIdLst>
   <p:sldSz cx="12192000" cy="6858000"/>
   <p:notesSz cx="6858000" cy="9144000"/>
@@ -254,7 +251,7 @@
           <a:p>
             <a:fld id="{D3753C18-6FB0-48A4-BE65-BC418673D728}" type="datetimeFigureOut">
               <a:rPr lang="en-US" smtClean="0"/>
-              <a:t>1/13/2020</a:t>
+              <a:t>1/24/2020</a:t>
             </a:fld>
             <a:endParaRPr lang="en-US"/>
           </a:p>
@@ -1140,7 +1137,7 @@
           <a:p>
             <a:fld id="{E3719F26-549C-4A29-8AFF-AAD68B8D7352}" type="datetimeFigureOut">
               <a:rPr lang="en-US" smtClean="0"/>
-              <a:t>1/13/2020</a:t>
+              <a:t>1/24/2020</a:t>
             </a:fld>
             <a:endParaRPr lang="en-US"/>
           </a:p>
@@ -1310,7 +1307,7 @@
           <a:p>
             <a:fld id="{E3719F26-549C-4A29-8AFF-AAD68B8D7352}" type="datetimeFigureOut">
               <a:rPr lang="en-US" smtClean="0"/>
-              <a:t>1/13/2020</a:t>
+              <a:t>1/24/2020</a:t>
             </a:fld>
             <a:endParaRPr lang="en-US"/>
           </a:p>
@@ -1490,7 +1487,7 @@
           <a:p>
             <a:fld id="{E3719F26-549C-4A29-8AFF-AAD68B8D7352}" type="datetimeFigureOut">
               <a:rPr lang="en-US" smtClean="0"/>
-              <a:t>1/13/2020</a:t>
+              <a:t>1/24/2020</a:t>
             </a:fld>
             <a:endParaRPr lang="en-US"/>
           </a:p>
@@ -1660,7 +1657,7 @@
           <a:p>
             <a:fld id="{E3719F26-549C-4A29-8AFF-AAD68B8D7352}" type="datetimeFigureOut">
               <a:rPr lang="en-US" smtClean="0"/>
-              <a:t>1/13/2020</a:t>
+              <a:t>1/24/2020</a:t>
             </a:fld>
             <a:endParaRPr lang="en-US"/>
           </a:p>
@@ -1906,7 +1903,7 @@
           <a:p>
             <a:fld id="{E3719F26-549C-4A29-8AFF-AAD68B8D7352}" type="datetimeFigureOut">
               <a:rPr lang="en-US" smtClean="0"/>
-              <a:t>1/13/2020</a:t>
+              <a:t>1/24/2020</a:t>
             </a:fld>
             <a:endParaRPr lang="en-US"/>
           </a:p>
@@ -2138,7 +2135,7 @@
           <a:p>
             <a:fld id="{E3719F26-549C-4A29-8AFF-AAD68B8D7352}" type="datetimeFigureOut">
               <a:rPr lang="en-US" smtClean="0"/>
-              <a:t>1/13/2020</a:t>
+              <a:t>1/24/2020</a:t>
             </a:fld>
             <a:endParaRPr lang="en-US"/>
           </a:p>
@@ -2505,7 +2502,7 @@
           <a:p>
             <a:fld id="{E3719F26-549C-4A29-8AFF-AAD68B8D7352}" type="datetimeFigureOut">
               <a:rPr lang="en-US" smtClean="0"/>
-              <a:t>1/13/2020</a:t>
+              <a:t>1/24/2020</a:t>
             </a:fld>
             <a:endParaRPr lang="en-US"/>
           </a:p>
@@ -2623,7 +2620,7 @@
           <a:p>
             <a:fld id="{E3719F26-549C-4A29-8AFF-AAD68B8D7352}" type="datetimeFigureOut">
               <a:rPr lang="en-US" smtClean="0"/>
-              <a:t>1/13/2020</a:t>
+              <a:t>1/24/2020</a:t>
             </a:fld>
             <a:endParaRPr lang="en-US"/>
           </a:p>
@@ -2718,7 +2715,7 @@
           <a:p>
             <a:fld id="{E3719F26-549C-4A29-8AFF-AAD68B8D7352}" type="datetimeFigureOut">
               <a:rPr lang="en-US" smtClean="0"/>
-              <a:t>1/13/2020</a:t>
+              <a:t>1/24/2020</a:t>
             </a:fld>
             <a:endParaRPr lang="en-US"/>
           </a:p>
@@ -2995,7 +2992,7 @@
           <a:p>
             <a:fld id="{E3719F26-549C-4A29-8AFF-AAD68B8D7352}" type="datetimeFigureOut">
               <a:rPr lang="en-US" smtClean="0"/>
-              <a:t>1/13/2020</a:t>
+              <a:t>1/24/2020</a:t>
             </a:fld>
             <a:endParaRPr lang="en-US"/>
           </a:p>
@@ -3248,7 +3245,7 @@
           <a:p>
             <a:fld id="{E3719F26-549C-4A29-8AFF-AAD68B8D7352}" type="datetimeFigureOut">
               <a:rPr lang="en-US" smtClean="0"/>
-              <a:t>1/13/2020</a:t>
+              <a:t>1/24/2020</a:t>
             </a:fld>
             <a:endParaRPr lang="en-US"/>
           </a:p>
@@ -3461,7 +3458,7 @@
           <a:p>
             <a:fld id="{E3719F26-549C-4A29-8AFF-AAD68B8D7352}" type="datetimeFigureOut">
               <a:rPr lang="en-US" smtClean="0"/>
-              <a:t>1/13/2020</a:t>
+              <a:t>1/24/2020</a:t>
             </a:fld>
             <a:endParaRPr lang="en-US"/>
           </a:p>
@@ -3898,10 +3895,6 @@
               <a:rPr lang="en-US" dirty="0" smtClean="0"/>
               <a:t>Applied Analytics &amp; </a:t>
             </a:r>
-            <a:r>
-              <a:rPr lang="en-US" dirty="0" smtClean="0"/>
-              <a:t/>
-            </a:r>
             <a:br>
               <a:rPr lang="en-US" dirty="0" smtClean="0"/>
             </a:br>
@@ -4200,6 +4193,44 @@
           </a:prstGeom>
         </p:spPr>
       </p:pic>
+      <p:sp>
+        <p:nvSpPr>
+          <p:cNvPr id="2" name="TextBox 1"/>
+          <p:cNvSpPr txBox="1"/>
+          <p:nvPr/>
+        </p:nvSpPr>
+        <p:spPr>
+          <a:xfrm>
+            <a:off x="4896466" y="6499123"/>
+            <a:ext cx="7089058" cy="369332"/>
+          </a:xfrm>
+          <a:prstGeom prst="rect">
+            <a:avLst/>
+          </a:prstGeom>
+          <a:noFill/>
+        </p:spPr>
+        <p:txBody>
+          <a:bodyPr wrap="square" rtlCol="0">
+            <a:spAutoFit/>
+          </a:bodyPr>
+          <a:lstStyle/>
+          <a:p>
+            <a:r>
+              <a:rPr lang="en-US" dirty="0" smtClean="0"/>
+              <a:t>Some of the slides adapted from Intro to Data Mining Tan et al. 2</a:t>
+            </a:r>
+            <a:r>
+              <a:rPr lang="en-US" baseline="30000" dirty="0" smtClean="0"/>
+              <a:t>nd</a:t>
+            </a:r>
+            <a:r>
+              <a:rPr lang="en-US" dirty="0" smtClean="0"/>
+              <a:t> edition</a:t>
+            </a:r>
+            <a:endParaRPr lang="en-US" dirty="0"/>
+          </a:p>
+        </p:txBody>
+      </p:sp>
     </p:spTree>
     <p:extLst>
       <p:ext uri="{BB962C8B-B14F-4D97-AF65-F5344CB8AC3E}">
@@ -5966,11 +5997,7 @@
           <a:p>
             <a:r>
               <a:rPr lang="en-US" dirty="0" smtClean="0"/>
-              <a:t>Python </a:t>
-            </a:r>
-            <a:r>
-              <a:rPr lang="en-US" dirty="0" smtClean="0"/>
-              <a:t>fundamentals</a:t>
+              <a:t>Python fundamentals</a:t>
             </a:r>
             <a:endParaRPr lang="en-US" dirty="0"/>
           </a:p>
@@ -6078,7 +6105,6 @@
               <a:rPr lang="en-US" dirty="0"/>
               <a:t>Language introduction, setup, variables, data structures</a:t>
             </a:r>
-            <a:endParaRPr lang="en-US" dirty="0"/>
           </a:p>
         </p:txBody>
       </p:sp>
@@ -8931,13 +8957,8 @@
           <a:p>
             <a:r>
               <a:rPr lang="en-US" dirty="0" smtClean="0"/>
-              <a:t>Location: </a:t>
-            </a:r>
-            <a:r>
-              <a:rPr lang="en-US" dirty="0" smtClean="0"/>
-              <a:t>SAGE 2715</a:t>
-            </a:r>
-            <a:endParaRPr lang="en-US" dirty="0" smtClean="0"/>
+              <a:t>Location: SAGE 2715</a:t>
+            </a:r>
           </a:p>
           <a:p>
             <a:endParaRPr lang="en-US" dirty="0"/>
@@ -10813,15 +10834,15 @@
             </a:r>
             <a:r>
               <a:rPr lang="en-US" u="sng" dirty="0" smtClean="0"/>
-              <a:t>2 pm </a:t>
+              <a:t>1 </a:t>
             </a:r>
             <a:r>
               <a:rPr lang="en-US" u="sng" dirty="0" smtClean="0"/>
-              <a:t>to </a:t>
+              <a:t>pm to </a:t>
             </a:r>
             <a:r>
               <a:rPr lang="en-US" u="sng" dirty="0" smtClean="0"/>
-              <a:t>4 </a:t>
+              <a:t>3 </a:t>
             </a:r>
             <a:r>
               <a:rPr lang="en-US" u="sng" dirty="0" smtClean="0"/>
@@ -12854,8 +12875,13 @@
             </a:pPr>
             <a:r>
               <a:rPr lang="en-US" dirty="0" smtClean="0"/>
-              <a:t>Given a list of keywords, create a dictionary of the keywords and their frequencies as the values in an ascending order of the frequencies. </a:t>
-            </a:r>
+              <a:t>Given a list of keywords, create a dictionary of the keywords and their frequencies as the </a:t>
+            </a:r>
+            <a:r>
+              <a:rPr lang="en-US" dirty="0" smtClean="0"/>
+              <a:t>values. </a:t>
+            </a:r>
+            <a:endParaRPr lang="en-US" dirty="0" smtClean="0"/>
           </a:p>
           <a:p>
             <a:pPr marL="514350" indent="-514350">
@@ -12897,49 +12923,17 @@
             </a:pPr>
             <a:r>
               <a:rPr lang="en-US" dirty="0" smtClean="0"/>
-              <a:t>Dictionary: {‘hello’: 2, ‘I’:1, ‘am’:1, ‘fine’:4, ‘but’:1, ‘is’:1, ‘to’:1, ‘you’:1 }</a:t>
-            </a:r>
-          </a:p>
-          <a:p>
-            <a:pPr marL="457200" lvl="1" indent="0">
-              <a:buNone/>
-            </a:pPr>
-            <a:r>
-              <a:rPr lang="en-US" dirty="0" smtClean="0"/>
-              <a:t>Sorted dictionary: { ‘</a:t>
-            </a:r>
-            <a:r>
-              <a:rPr lang="en-US" dirty="0"/>
-              <a:t>I’:1, ‘am’:1</a:t>
-            </a:r>
-            <a:r>
-              <a:rPr lang="en-US" dirty="0" smtClean="0"/>
-              <a:t>, ‘</a:t>
-            </a:r>
-            <a:r>
-              <a:rPr lang="en-US" dirty="0"/>
-              <a:t>but’:1, ‘is’:1, ‘to’:1, ‘you’:</a:t>
-            </a:r>
-            <a:r>
-              <a:rPr lang="en-US" dirty="0" smtClean="0"/>
-              <a:t>1‘, hello</a:t>
-            </a:r>
-            <a:r>
-              <a:rPr lang="en-US" dirty="0"/>
-              <a:t>’: </a:t>
-            </a:r>
-            <a:r>
-              <a:rPr lang="en-US" dirty="0" smtClean="0"/>
-              <a:t>2, </a:t>
-            </a:r>
-            <a:r>
-              <a:rPr lang="en-US" dirty="0"/>
-              <a:t>‘fine’:</a:t>
-            </a:r>
-            <a:r>
-              <a:rPr lang="en-US" dirty="0" smtClean="0"/>
-              <a:t>4}</a:t>
-            </a:r>
+              <a:t>Dictionary: {‘hello’: 2, ‘I’:1, ‘am’:1, ‘fine’:4, ‘but’:1, ‘is’:1, ‘to’:1, ‘you’:</a:t>
+            </a:r>
+            <a:r>
+              <a:rPr lang="en-US" smtClean="0"/>
+              <a:t>1 </a:t>
+            </a:r>
+            <a:r>
+              <a:rPr lang="en-US" smtClean="0"/>
+              <a:t>}</a:t>
+            </a:r>
+            <a:endParaRPr lang="en-US" dirty="0" smtClean="0"/>
           </a:p>
         </p:txBody>
       </p:sp>
@@ -12995,18 +12989,22 @@
           <a:bodyPr/>
           <a:lstStyle/>
           <a:p>
-            <a:endParaRPr lang="en-US"/>
-          </a:p>
-        </p:txBody>
-      </p:sp>
-      <p:sp>
-        <p:nvSpPr>
-          <p:cNvPr id="3" name="Content Placeholder 2"/>
-          <p:cNvSpPr>
-            <a:spLocks noGrp="1"/>
-          </p:cNvSpPr>
-          <p:nvPr>
-            <p:ph idx="1"/>
+            <a:r>
+              <a:rPr lang="en-US" dirty="0" smtClean="0"/>
+              <a:t>Packages</a:t>
+            </a:r>
+            <a:endParaRPr lang="en-US" dirty="0"/>
+          </a:p>
+        </p:txBody>
+      </p:sp>
+      <p:sp>
+        <p:nvSpPr>
+          <p:cNvPr id="3" name="Text Placeholder 2"/>
+          <p:cNvSpPr>
+            <a:spLocks noGrp="1"/>
+          </p:cNvSpPr>
+          <p:nvPr>
+            <p:ph type="body" idx="1"/>
           </p:nvPr>
         </p:nvSpPr>
         <p:spPr/>
@@ -13014,59 +13012,18 @@
           <a:bodyPr/>
           <a:lstStyle/>
           <a:p>
-            <a:pPr marL="514350" indent="-514350">
-              <a:buFont typeface="+mj-lt"/>
-              <a:buAutoNum type="arabicPeriod"/>
-            </a:pPr>
-            <a:r>
-              <a:rPr lang="en-US" dirty="0"/>
-              <a:t>Write a code to split a list into a list of lists of size 3. l1 = [‘hello’, ‘hi’, ’hey’, ‘howdy’, ‘</a:t>
-            </a:r>
-            <a:r>
-              <a:rPr lang="en-US" dirty="0" err="1"/>
-              <a:t>hola</a:t>
-            </a:r>
-            <a:r>
-              <a:rPr lang="en-US" dirty="0"/>
-              <a:t>’, ‘greetings’, ‘bonjour’, ‘good day’, ‘welcome’]</a:t>
-            </a:r>
-          </a:p>
-          <a:p>
-            <a:pPr marL="457200" lvl="1" indent="0">
-              <a:buNone/>
-            </a:pPr>
-            <a:r>
-              <a:rPr lang="en-US" dirty="0">
-                <a:sym typeface="Wingdings" panose="05000000000000000000" pitchFamily="2" charset="2"/>
-              </a:rPr>
-              <a:t> [</a:t>
-            </a:r>
-            <a:r>
-              <a:rPr lang="en-US" dirty="0"/>
-              <a:t>[‘hello’, ‘hi’, ’hey’], [‘howdy’, ‘</a:t>
-            </a:r>
-            <a:r>
-              <a:rPr lang="en-US" dirty="0" err="1"/>
-              <a:t>hola</a:t>
-            </a:r>
-            <a:r>
-              <a:rPr lang="en-US" dirty="0"/>
-              <a:t>’, ‘greetings’], [‘bonjour’, ‘good day’, ‘welcome’]</a:t>
-            </a:r>
-            <a:r>
-              <a:rPr lang="en-US" dirty="0">
-                <a:sym typeface="Wingdings" panose="05000000000000000000" pitchFamily="2" charset="2"/>
-              </a:rPr>
-              <a:t>]</a:t>
-            </a:r>
-            <a:endParaRPr lang="en-US" dirty="0"/>
+            <a:r>
+              <a:rPr lang="en-US" i="1" dirty="0" smtClean="0"/>
+              <a:t>3 different packages that we will use in this class</a:t>
+            </a:r>
+            <a:endParaRPr lang="en-US" i="1" dirty="0"/>
           </a:p>
         </p:txBody>
       </p:sp>
     </p:spTree>
     <p:extLst>
       <p:ext uri="{BB962C8B-B14F-4D97-AF65-F5344CB8AC3E}">
-        <p14:creationId xmlns:p14="http://schemas.microsoft.com/office/powerpoint/2010/main" val="1577513018"/>
+        <p14:creationId xmlns:p14="http://schemas.microsoft.com/office/powerpoint/2010/main" val="2060877219"/>
       </p:ext>
     </p:extLst>
   </p:cSld>
@@ -13117,7 +13074,15 @@
           <a:p>
             <a:r>
               <a:rPr lang="en-US" dirty="0" smtClean="0"/>
-              <a:t>Packages</a:t>
+              <a:t>Packages – </a:t>
+            </a:r>
+            <a:r>
+              <a:rPr lang="en-US" dirty="0" err="1" smtClean="0"/>
+              <a:t>Numpy</a:t>
+            </a:r>
+            <a:r>
+              <a:rPr lang="en-US" dirty="0" smtClean="0"/>
+              <a:t> </a:t>
             </a:r>
             <a:endParaRPr lang="en-US" dirty="0"/>
           </a:p>
@@ -13139,17 +13104,17 @@
           <a:lstStyle/>
           <a:p>
             <a:r>
-              <a:rPr lang="en-US" i="1" dirty="0" smtClean="0"/>
-              <a:t>3 different packages that we will use in this class</a:t>
-            </a:r>
-            <a:endParaRPr lang="en-US" i="1" dirty="0"/>
+              <a:rPr lang="en-US" dirty="0" smtClean="0"/>
+              <a:t>Numerical computations</a:t>
+            </a:r>
+            <a:endParaRPr lang="en-US" dirty="0"/>
           </a:p>
         </p:txBody>
       </p:sp>
     </p:spTree>
     <p:extLst>
       <p:ext uri="{BB962C8B-B14F-4D97-AF65-F5344CB8AC3E}">
-        <p14:creationId xmlns:p14="http://schemas.microsoft.com/office/powerpoint/2010/main" val="2060877219"/>
+        <p14:creationId xmlns:p14="http://schemas.microsoft.com/office/powerpoint/2010/main" val="1910955872"/>
       </p:ext>
     </p:extLst>
   </p:cSld>
@@ -13233,412 +13198,6 @@
     <p:extLst>
       <p:ext uri="{BB962C8B-B14F-4D97-AF65-F5344CB8AC3E}">
         <p14:creationId xmlns:p14="http://schemas.microsoft.com/office/powerpoint/2010/main" val="2948070224"/>
-      </p:ext>
-    </p:extLst>
-  </p:cSld>
-  <p:clrMapOvr>
-    <a:masterClrMapping/>
-  </p:clrMapOvr>
-  <p:timing>
-    <p:tnLst>
-      <p:par>
-        <p:cTn id="1" dur="indefinite" restart="never" nodeType="tmRoot"/>
-      </p:par>
-    </p:tnLst>
-  </p:timing>
-</p:sld>
-</file>
-
-<file path=ppt/slides/slide56.xml><?xml version="1.0" encoding="utf-8"?>
-<p:sld xmlns:a="http://schemas.openxmlformats.org/drawingml/2006/main" xmlns:r="http://schemas.openxmlformats.org/officeDocument/2006/relationships" xmlns:p="http://schemas.openxmlformats.org/presentationml/2006/main">
-  <p:cSld>
-    <p:spTree>
-      <p:nvGrpSpPr>
-        <p:cNvPr id="1" name=""/>
-        <p:cNvGrpSpPr/>
-        <p:nvPr/>
-      </p:nvGrpSpPr>
-      <p:grpSpPr>
-        <a:xfrm>
-          <a:off x="0" y="0"/>
-          <a:ext cx="0" cy="0"/>
-          <a:chOff x="0" y="0"/>
-          <a:chExt cx="0" cy="0"/>
-        </a:xfrm>
-      </p:grpSpPr>
-      <p:sp>
-        <p:nvSpPr>
-          <p:cNvPr id="4" name="Title 3"/>
-          <p:cNvSpPr>
-            <a:spLocks noGrp="1"/>
-          </p:cNvSpPr>
-          <p:nvPr>
-            <p:ph type="title"/>
-          </p:nvPr>
-        </p:nvSpPr>
-        <p:spPr/>
-        <p:txBody>
-          <a:bodyPr/>
-          <a:lstStyle/>
-          <a:p>
-            <a:r>
-              <a:rPr lang="en-US" dirty="0" smtClean="0"/>
-              <a:t>Data Frame</a:t>
-            </a:r>
-            <a:endParaRPr lang="en-US" dirty="0"/>
-          </a:p>
-        </p:txBody>
-      </p:sp>
-      <p:sp>
-        <p:nvSpPr>
-          <p:cNvPr id="5" name="Content Placeholder 4"/>
-          <p:cNvSpPr>
-            <a:spLocks noGrp="1"/>
-          </p:cNvSpPr>
-          <p:nvPr>
-            <p:ph idx="1"/>
-          </p:nvPr>
-        </p:nvSpPr>
-        <p:spPr/>
-        <p:txBody>
-          <a:bodyPr/>
-          <a:lstStyle/>
-          <a:p>
-            <a:pPr marL="0" indent="0">
-              <a:buNone/>
-            </a:pPr>
-            <a:r>
-              <a:rPr lang="en-US" dirty="0" smtClean="0"/>
-              <a:t>&gt;&gt; import </a:t>
-            </a:r>
-            <a:r>
-              <a:rPr lang="en-US" dirty="0"/>
-              <a:t>pandas as </a:t>
-            </a:r>
-            <a:r>
-              <a:rPr lang="en-US" dirty="0" err="1"/>
-              <a:t>pd</a:t>
-            </a:r>
-            <a:r>
-              <a:rPr lang="en-US" dirty="0"/>
-              <a:t> </a:t>
-            </a:r>
-            <a:endParaRPr lang="en-US" dirty="0" smtClean="0"/>
-          </a:p>
-          <a:p>
-            <a:pPr marL="0" indent="0">
-              <a:buNone/>
-            </a:pPr>
-            <a:r>
-              <a:rPr lang="en-US" dirty="0" smtClean="0"/>
-              <a:t/>
-            </a:r>
-            <a:br>
-              <a:rPr lang="en-US" dirty="0" smtClean="0"/>
-            </a:br>
-            <a:r>
-              <a:rPr lang="en-US" dirty="0" smtClean="0"/>
-              <a:t># </a:t>
-            </a:r>
-            <a:r>
-              <a:rPr lang="en-US" dirty="0"/>
-              <a:t>list of strings </a:t>
-            </a:r>
-            <a:r>
-              <a:rPr lang="en-US" dirty="0" smtClean="0"/>
-              <a:t/>
-            </a:r>
-            <a:br>
-              <a:rPr lang="en-US" dirty="0" smtClean="0"/>
-            </a:br>
-            <a:r>
-              <a:rPr lang="en-US" dirty="0" smtClean="0"/>
-              <a:t>&gt;&gt; </a:t>
-            </a:r>
-            <a:r>
-              <a:rPr lang="en-US" dirty="0" err="1" smtClean="0"/>
-              <a:t>lst</a:t>
-            </a:r>
-            <a:r>
-              <a:rPr lang="en-US" dirty="0" smtClean="0"/>
-              <a:t> </a:t>
-            </a:r>
-            <a:r>
-              <a:rPr lang="en-US" dirty="0"/>
-              <a:t>= </a:t>
-            </a:r>
-            <a:r>
-              <a:rPr lang="en-US" dirty="0" smtClean="0"/>
-              <a:t>[‘I’, ‘am’, ‘excited’, ‘for’, ‘the’, ‘spring’, ‘semester’] </a:t>
-            </a:r>
-          </a:p>
-          <a:p>
-            <a:pPr marL="0" indent="0">
-              <a:buNone/>
-            </a:pPr>
-            <a:r>
-              <a:rPr lang="en-US" dirty="0" smtClean="0"/>
-              <a:t># </a:t>
-            </a:r>
-            <a:r>
-              <a:rPr lang="en-US" dirty="0"/>
-              <a:t>Calling </a:t>
-            </a:r>
-            <a:r>
-              <a:rPr lang="en-US" dirty="0" err="1"/>
-              <a:t>DataFrame</a:t>
-            </a:r>
-            <a:r>
-              <a:rPr lang="en-US" dirty="0"/>
-              <a:t> constructor on list </a:t>
-            </a:r>
-            <a:r>
-              <a:rPr lang="en-US" dirty="0" smtClean="0"/>
-              <a:t/>
-            </a:r>
-            <a:br>
-              <a:rPr lang="en-US" dirty="0" smtClean="0"/>
-            </a:br>
-            <a:r>
-              <a:rPr lang="en-US" dirty="0" smtClean="0"/>
-              <a:t>&gt;&gt; </a:t>
-            </a:r>
-            <a:r>
-              <a:rPr lang="en-US" dirty="0" err="1" smtClean="0"/>
-              <a:t>df</a:t>
-            </a:r>
-            <a:r>
-              <a:rPr lang="en-US" dirty="0" smtClean="0"/>
-              <a:t> </a:t>
-            </a:r>
-            <a:r>
-              <a:rPr lang="en-US" dirty="0"/>
-              <a:t>= </a:t>
-            </a:r>
-            <a:r>
-              <a:rPr lang="en-US" dirty="0" err="1"/>
-              <a:t>pd.DataFrame</a:t>
-            </a:r>
-            <a:r>
-              <a:rPr lang="en-US" dirty="0"/>
-              <a:t>(</a:t>
-            </a:r>
-            <a:r>
-              <a:rPr lang="en-US" dirty="0" err="1"/>
-              <a:t>lst</a:t>
-            </a:r>
-            <a:r>
-              <a:rPr lang="en-US" dirty="0"/>
-              <a:t>) </a:t>
-            </a:r>
-            <a:r>
-              <a:rPr lang="en-US" dirty="0" smtClean="0"/>
-              <a:t/>
-            </a:r>
-            <a:br>
-              <a:rPr lang="en-US" dirty="0" smtClean="0"/>
-            </a:br>
-            <a:r>
-              <a:rPr lang="en-US" dirty="0" smtClean="0"/>
-              <a:t>&gt;&gt; print(</a:t>
-            </a:r>
-            <a:r>
-              <a:rPr lang="en-US" dirty="0" err="1" smtClean="0"/>
-              <a:t>df</a:t>
-            </a:r>
-            <a:r>
-              <a:rPr lang="en-US" dirty="0"/>
-              <a:t>)</a:t>
-            </a:r>
-          </a:p>
-        </p:txBody>
-      </p:sp>
-    </p:spTree>
-    <p:extLst>
-      <p:ext uri="{BB962C8B-B14F-4D97-AF65-F5344CB8AC3E}">
-        <p14:creationId xmlns:p14="http://schemas.microsoft.com/office/powerpoint/2010/main" val="4202606405"/>
-      </p:ext>
-    </p:extLst>
-  </p:cSld>
-  <p:clrMapOvr>
-    <a:masterClrMapping/>
-  </p:clrMapOvr>
-  <p:timing>
-    <p:tnLst>
-      <p:par>
-        <p:cTn id="1" dur="indefinite" restart="never" nodeType="tmRoot"/>
-      </p:par>
-    </p:tnLst>
-  </p:timing>
-</p:sld>
-</file>
-
-<file path=ppt/slides/slide57.xml><?xml version="1.0" encoding="utf-8"?>
-<p:sld xmlns:a="http://schemas.openxmlformats.org/drawingml/2006/main" xmlns:r="http://schemas.openxmlformats.org/officeDocument/2006/relationships" xmlns:p="http://schemas.openxmlformats.org/presentationml/2006/main">
-  <p:cSld>
-    <p:spTree>
-      <p:nvGrpSpPr>
-        <p:cNvPr id="1" name=""/>
-        <p:cNvGrpSpPr/>
-        <p:nvPr/>
-      </p:nvGrpSpPr>
-      <p:grpSpPr>
-        <a:xfrm>
-          <a:off x="0" y="0"/>
-          <a:ext cx="0" cy="0"/>
-          <a:chOff x="0" y="0"/>
-          <a:chExt cx="0" cy="0"/>
-        </a:xfrm>
-      </p:grpSpPr>
-      <p:sp>
-        <p:nvSpPr>
-          <p:cNvPr id="2" name="Title 1"/>
-          <p:cNvSpPr>
-            <a:spLocks noGrp="1"/>
-          </p:cNvSpPr>
-          <p:nvPr>
-            <p:ph type="title"/>
-          </p:nvPr>
-        </p:nvSpPr>
-        <p:spPr/>
-        <p:txBody>
-          <a:bodyPr/>
-          <a:lstStyle/>
-          <a:p>
-            <a:r>
-              <a:rPr lang="en-US" dirty="0" smtClean="0"/>
-              <a:t>Packages – </a:t>
-            </a:r>
-            <a:r>
-              <a:rPr lang="en-US" dirty="0" err="1" smtClean="0"/>
-              <a:t>Numpy</a:t>
-            </a:r>
-            <a:r>
-              <a:rPr lang="en-US" dirty="0" smtClean="0"/>
-              <a:t> </a:t>
-            </a:r>
-            <a:endParaRPr lang="en-US" dirty="0"/>
-          </a:p>
-        </p:txBody>
-      </p:sp>
-      <p:sp>
-        <p:nvSpPr>
-          <p:cNvPr id="3" name="Text Placeholder 2"/>
-          <p:cNvSpPr>
-            <a:spLocks noGrp="1"/>
-          </p:cNvSpPr>
-          <p:nvPr>
-            <p:ph type="body" idx="1"/>
-          </p:nvPr>
-        </p:nvSpPr>
-        <p:spPr/>
-        <p:txBody>
-          <a:bodyPr/>
-          <a:lstStyle/>
-          <a:p>
-            <a:r>
-              <a:rPr lang="en-US" dirty="0" smtClean="0"/>
-              <a:t>Numerical computations</a:t>
-            </a:r>
-            <a:endParaRPr lang="en-US" dirty="0"/>
-          </a:p>
-        </p:txBody>
-      </p:sp>
-    </p:spTree>
-    <p:extLst>
-      <p:ext uri="{BB962C8B-B14F-4D97-AF65-F5344CB8AC3E}">
-        <p14:creationId xmlns:p14="http://schemas.microsoft.com/office/powerpoint/2010/main" val="1910955872"/>
-      </p:ext>
-    </p:extLst>
-  </p:cSld>
-  <p:clrMapOvr>
-    <a:masterClrMapping/>
-  </p:clrMapOvr>
-  <p:timing>
-    <p:tnLst>
-      <p:par>
-        <p:cTn id="1" dur="indefinite" restart="never" nodeType="tmRoot"/>
-      </p:par>
-    </p:tnLst>
-  </p:timing>
-</p:sld>
-</file>
-
-<file path=ppt/slides/slide58.xml><?xml version="1.0" encoding="utf-8"?>
-<p:sld xmlns:a="http://schemas.openxmlformats.org/drawingml/2006/main" xmlns:r="http://schemas.openxmlformats.org/officeDocument/2006/relationships" xmlns:p="http://schemas.openxmlformats.org/presentationml/2006/main">
-  <p:cSld>
-    <p:spTree>
-      <p:nvGrpSpPr>
-        <p:cNvPr id="1" name=""/>
-        <p:cNvGrpSpPr/>
-        <p:nvPr/>
-      </p:nvGrpSpPr>
-      <p:grpSpPr>
-        <a:xfrm>
-          <a:off x="0" y="0"/>
-          <a:ext cx="0" cy="0"/>
-          <a:chOff x="0" y="0"/>
-          <a:chExt cx="0" cy="0"/>
-        </a:xfrm>
-      </p:grpSpPr>
-      <p:sp>
-        <p:nvSpPr>
-          <p:cNvPr id="2" name="Title 1"/>
-          <p:cNvSpPr>
-            <a:spLocks noGrp="1"/>
-          </p:cNvSpPr>
-          <p:nvPr>
-            <p:ph type="title"/>
-          </p:nvPr>
-        </p:nvSpPr>
-        <p:spPr/>
-        <p:txBody>
-          <a:bodyPr/>
-          <a:lstStyle/>
-          <a:p>
-            <a:r>
-              <a:rPr lang="en-US" dirty="0" smtClean="0"/>
-              <a:t>Packages – </a:t>
-            </a:r>
-            <a:r>
-              <a:rPr lang="en-US" dirty="0" err="1" smtClean="0"/>
-              <a:t>Seaborn</a:t>
-            </a:r>
-            <a:r>
-              <a:rPr lang="en-US" dirty="0" smtClean="0"/>
-              <a:t> </a:t>
-            </a:r>
-            <a:endParaRPr lang="en-US" dirty="0"/>
-          </a:p>
-        </p:txBody>
-      </p:sp>
-      <p:sp>
-        <p:nvSpPr>
-          <p:cNvPr id="3" name="Text Placeholder 2"/>
-          <p:cNvSpPr>
-            <a:spLocks noGrp="1"/>
-          </p:cNvSpPr>
-          <p:nvPr>
-            <p:ph type="body" idx="1"/>
-          </p:nvPr>
-        </p:nvSpPr>
-        <p:spPr/>
-        <p:txBody>
-          <a:bodyPr/>
-          <a:lstStyle/>
-          <a:p>
-            <a:r>
-              <a:rPr lang="en-US" dirty="0" smtClean="0"/>
-              <a:t>Visualizations</a:t>
-            </a:r>
-            <a:endParaRPr lang="en-US" dirty="0"/>
-          </a:p>
-        </p:txBody>
-      </p:sp>
-    </p:spTree>
-    <p:extLst>
-      <p:ext uri="{BB962C8B-B14F-4D97-AF65-F5344CB8AC3E}">
-        <p14:creationId xmlns:p14="http://schemas.microsoft.com/office/powerpoint/2010/main" val="4209403953"/>
       </p:ext>
     </p:extLst>
   </p:cSld>
@@ -15258,7 +14817,7 @@
           <a:graphicData uri="http://schemas.openxmlformats.org/presentationml/2006/ole">
             <mc:AlternateContent xmlns:mc="http://schemas.openxmlformats.org/markup-compatibility/2006">
               <mc:Choice xmlns:v="urn:schemas-microsoft-com:vml" Requires="v">
-                <p:oleObj spid="_x0000_s10246" name="VISIO" r:id="rId7" imgW="617220" imgH="615696" progId="Visio.Drawing.11">
+                <p:oleObj spid="_x0000_s10250" name="VISIO" r:id="rId7" imgW="617220" imgH="615696" progId="Visio.Drawing.11">
                   <p:embed/>
                 </p:oleObj>
               </mc:Choice>
